--- a/quiz/quiz.pptx
+++ b/quiz/quiz.pptx
@@ -1,6 +1,6 @@
 
 <file path=ppt/presentation.xml><?xml version="1.0" encoding="utf-8"?>
-<p:presentation xmlns:a="http://schemas.openxmlformats.org/drawingml/2006/main" xmlns:r="http://schemas.openxmlformats.org/officeDocument/2006/relationships" xmlns:p="http://schemas.openxmlformats.org/presentationml/2006/main" saveSubsetFonts="1">
+<p:presentation xmlns:a="http://schemas.openxmlformats.org/drawingml/2006/main" xmlns:r="http://schemas.openxmlformats.org/officeDocument/2006/relationships" xmlns:p="http://schemas.openxmlformats.org/presentationml/2006/main" embedTrueTypeFonts="1" saveSubsetFonts="1">
   <p:sldMasterIdLst>
     <p:sldMasterId id="2147483672" r:id="rId1"/>
   </p:sldMasterIdLst>
@@ -14,6 +14,20 @@
   </p:sldIdLst>
   <p:sldSz cx="12192000" cy="6858000"/>
   <p:notesSz cx="6858000" cy="9144000"/>
+  <p:embeddedFontLst>
+    <p:embeddedFont>
+      <p:font typeface="HG行書体" panose="03000609000000000000" pitchFamily="65" charset="-128"/>
+      <p:regular r:id="rId8"/>
+    </p:embeddedFont>
+    <p:embeddedFont>
+      <p:font typeface="Yu Gothic Medium" panose="020B0500000000000000" pitchFamily="50" charset="-128"/>
+      <p:regular r:id="rId9"/>
+    </p:embeddedFont>
+    <p:embeddedFont>
+      <p:font typeface="Yu Mincho Demibold" panose="02020600000000000000" pitchFamily="18" charset="-128"/>
+      <p:bold r:id="rId10"/>
+    </p:embeddedFont>
+  </p:embeddedFontLst>
   <p:defaultTextStyle>
     <a:defPPr>
       <a:defRPr lang="ja-JP"/>
@@ -266,7 +280,7 @@
           <a:p>
             <a:fld id="{2395C5C9-164C-46B3-A87E-7660D39D3106}" type="datetime2">
               <a:rPr lang="en-US" smtClean="0"/>
-              <a:t>Thursday, July 18, 2024</a:t>
+              <a:t>Wednesday, July 24, 2024</a:t>
             </a:fld>
             <a:endParaRPr lang="en-US" dirty="0"/>
           </a:p>
@@ -469,7 +483,7 @@
           <a:p>
             <a:fld id="{5B75179A-1E2B-41AB-B400-4F1B4022FAEE}" type="datetime2">
               <a:rPr lang="en-US" smtClean="0"/>
-              <a:t>Thursday, July 18, 2024</a:t>
+              <a:t>Wednesday, July 24, 2024</a:t>
             </a:fld>
             <a:endParaRPr lang="en-US"/>
           </a:p>
@@ -682,7 +696,7 @@
           <a:p>
             <a:fld id="{05681D0F-6595-4F14-8EF3-954CD87C797B}" type="datetime2">
               <a:rPr lang="en-US" smtClean="0"/>
-              <a:t>Thursday, July 18, 2024</a:t>
+              <a:t>Wednesday, July 24, 2024</a:t>
             </a:fld>
             <a:endParaRPr lang="en-US"/>
           </a:p>
@@ -884,7 +898,7 @@
           <a:p>
             <a:fld id="{4DDCFF8A-AAF8-4A12-8A91-9CA0EAF6CBB9}" type="datetime2">
               <a:rPr lang="en-US" smtClean="0"/>
-              <a:t>Thursday, July 18, 2024</a:t>
+              <a:t>Wednesday, July 24, 2024</a:t>
             </a:fld>
             <a:endParaRPr lang="en-US" dirty="0"/>
           </a:p>
@@ -1163,7 +1177,7 @@
           <a:p>
             <a:fld id="{ABCC25C3-021A-4B0B-8F70-0C181FE1CF45}" type="datetime2">
               <a:rPr lang="en-US" smtClean="0"/>
-              <a:t>Thursday, July 18, 2024</a:t>
+              <a:t>Wednesday, July 24, 2024</a:t>
             </a:fld>
             <a:endParaRPr lang="en-US"/>
           </a:p>
@@ -1423,7 +1437,7 @@
           <a:p>
             <a:fld id="{0C23D88D-8CEC-4ED9-A53B-5596187D9A16}" type="datetime2">
               <a:rPr lang="en-US" smtClean="0"/>
-              <a:t>Thursday, July 18, 2024</a:t>
+              <a:t>Wednesday, July 24, 2024</a:t>
             </a:fld>
             <a:endParaRPr lang="en-US"/>
           </a:p>
@@ -1839,7 +1853,7 @@
           <a:p>
             <a:fld id="{D2CCD382-DFDA-4722-A27A-59C21AD112F2}" type="datetime2">
               <a:rPr lang="en-US" smtClean="0"/>
-              <a:t>Thursday, July 18, 2024</a:t>
+              <a:t>Wednesday, July 24, 2024</a:t>
             </a:fld>
             <a:endParaRPr lang="en-US"/>
           </a:p>
@@ -1984,7 +1998,7 @@
           <a:p>
             <a:fld id="{22F2A30D-1C09-413F-AAB1-38F366000715}" type="datetime2">
               <a:rPr lang="en-US" smtClean="0"/>
-              <a:t>Thursday, July 18, 2024</a:t>
+              <a:t>Wednesday, July 24, 2024</a:t>
             </a:fld>
             <a:endParaRPr lang="en-US"/>
           </a:p>
@@ -2106,7 +2120,7 @@
           <a:p>
             <a:fld id="{6DB82B9C-D65E-4F64-95C3-B10F3B00F0D9}" type="datetime2">
               <a:rPr lang="en-US" smtClean="0"/>
-              <a:t>Thursday, July 18, 2024</a:t>
+              <a:t>Wednesday, July 24, 2024</a:t>
             </a:fld>
             <a:endParaRPr lang="en-US"/>
           </a:p>
@@ -2429,7 +2443,7 @@
           <a:p>
             <a:fld id="{B7F5FDCC-6AAC-4A08-B9E0-3793AB5E64C3}" type="datetime2">
               <a:rPr lang="en-US" smtClean="0"/>
-              <a:t>Thursday, July 18, 2024</a:t>
+              <a:t>Wednesday, July 24, 2024</a:t>
             </a:fld>
             <a:endParaRPr lang="en-US"/>
           </a:p>
@@ -2717,7 +2731,7 @@
           <a:p>
             <a:fld id="{349FE94D-439C-40F1-900E-BC07940E3988}" type="datetime2">
               <a:rPr lang="en-US" smtClean="0"/>
-              <a:t>Thursday, July 18, 2024</a:t>
+              <a:t>Wednesday, July 24, 2024</a:t>
             </a:fld>
             <a:endParaRPr lang="en-US"/>
           </a:p>
@@ -3001,7 +3015,7 @@
           <a:p>
             <a:fld id="{8DEA2CF1-0EB2-4673-802D-3371233E4A77}" type="datetime2">
               <a:rPr lang="en-US" smtClean="0"/>
-              <a:t>Thursday, July 18, 2024</a:t>
+              <a:t>Wednesday, July 24, 2024</a:t>
             </a:fld>
             <a:endParaRPr lang="en-US" dirty="0"/>
           </a:p>

--- a/quiz/quiz.pptx
+++ b/quiz/quiz.pptx
@@ -16,16 +16,16 @@
   <p:notesSz cx="6858000" cy="9144000"/>
   <p:embeddedFontLst>
     <p:embeddedFont>
-      <p:font typeface="HG行書体" panose="03000609000000000000" pitchFamily="65" charset="-128"/>
+      <p:font typeface="Yu Gothic Medium" panose="020B0500000000000000" pitchFamily="50" charset="-128"/>
       <p:regular r:id="rId8"/>
     </p:embeddedFont>
     <p:embeddedFont>
-      <p:font typeface="Yu Gothic Medium" panose="020B0500000000000000" pitchFamily="50" charset="-128"/>
-      <p:regular r:id="rId9"/>
+      <p:font typeface="Yu Mincho Demibold" panose="02020600000000000000" pitchFamily="18" charset="-128"/>
+      <p:bold r:id="rId9"/>
     </p:embeddedFont>
     <p:embeddedFont>
-      <p:font typeface="Yu Mincho Demibold" panose="02020600000000000000" pitchFamily="18" charset="-128"/>
-      <p:bold r:id="rId10"/>
+      <p:font typeface="HG行書体" panose="03000609000000000000" pitchFamily="65" charset="-128"/>
+      <p:regular r:id="rId10"/>
     </p:embeddedFont>
   </p:embeddedFontLst>
   <p:defaultTextStyle>
@@ -280,7 +280,7 @@
           <a:p>
             <a:fld id="{2395C5C9-164C-46B3-A87E-7660D39D3106}" type="datetime2">
               <a:rPr lang="en-US" smtClean="0"/>
-              <a:t>Wednesday, July 24, 2024</a:t>
+              <a:t>Thursday, July 25, 2024</a:t>
             </a:fld>
             <a:endParaRPr lang="en-US" dirty="0"/>
           </a:p>
@@ -483,7 +483,7 @@
           <a:p>
             <a:fld id="{5B75179A-1E2B-41AB-B400-4F1B4022FAEE}" type="datetime2">
               <a:rPr lang="en-US" smtClean="0"/>
-              <a:t>Wednesday, July 24, 2024</a:t>
+              <a:t>Thursday, July 25, 2024</a:t>
             </a:fld>
             <a:endParaRPr lang="en-US"/>
           </a:p>
@@ -696,7 +696,7 @@
           <a:p>
             <a:fld id="{05681D0F-6595-4F14-8EF3-954CD87C797B}" type="datetime2">
               <a:rPr lang="en-US" smtClean="0"/>
-              <a:t>Wednesday, July 24, 2024</a:t>
+              <a:t>Thursday, July 25, 2024</a:t>
             </a:fld>
             <a:endParaRPr lang="en-US"/>
           </a:p>
@@ -898,7 +898,7 @@
           <a:p>
             <a:fld id="{4DDCFF8A-AAF8-4A12-8A91-9CA0EAF6CBB9}" type="datetime2">
               <a:rPr lang="en-US" smtClean="0"/>
-              <a:t>Wednesday, July 24, 2024</a:t>
+              <a:t>Thursday, July 25, 2024</a:t>
             </a:fld>
             <a:endParaRPr lang="en-US" dirty="0"/>
           </a:p>
@@ -1177,7 +1177,7 @@
           <a:p>
             <a:fld id="{ABCC25C3-021A-4B0B-8F70-0C181FE1CF45}" type="datetime2">
               <a:rPr lang="en-US" smtClean="0"/>
-              <a:t>Wednesday, July 24, 2024</a:t>
+              <a:t>Thursday, July 25, 2024</a:t>
             </a:fld>
             <a:endParaRPr lang="en-US"/>
           </a:p>
@@ -1437,7 +1437,7 @@
           <a:p>
             <a:fld id="{0C23D88D-8CEC-4ED9-A53B-5596187D9A16}" type="datetime2">
               <a:rPr lang="en-US" smtClean="0"/>
-              <a:t>Wednesday, July 24, 2024</a:t>
+              <a:t>Thursday, July 25, 2024</a:t>
             </a:fld>
             <a:endParaRPr lang="en-US"/>
           </a:p>
@@ -1853,7 +1853,7 @@
           <a:p>
             <a:fld id="{D2CCD382-DFDA-4722-A27A-59C21AD112F2}" type="datetime2">
               <a:rPr lang="en-US" smtClean="0"/>
-              <a:t>Wednesday, July 24, 2024</a:t>
+              <a:t>Thursday, July 25, 2024</a:t>
             </a:fld>
             <a:endParaRPr lang="en-US"/>
           </a:p>
@@ -1998,7 +1998,7 @@
           <a:p>
             <a:fld id="{22F2A30D-1C09-413F-AAB1-38F366000715}" type="datetime2">
               <a:rPr lang="en-US" smtClean="0"/>
-              <a:t>Wednesday, July 24, 2024</a:t>
+              <a:t>Thursday, July 25, 2024</a:t>
             </a:fld>
             <a:endParaRPr lang="en-US"/>
           </a:p>
@@ -2120,7 +2120,7 @@
           <a:p>
             <a:fld id="{6DB82B9C-D65E-4F64-95C3-B10F3B00F0D9}" type="datetime2">
               <a:rPr lang="en-US" smtClean="0"/>
-              <a:t>Wednesday, July 24, 2024</a:t>
+              <a:t>Thursday, July 25, 2024</a:t>
             </a:fld>
             <a:endParaRPr lang="en-US"/>
           </a:p>
@@ -2443,7 +2443,7 @@
           <a:p>
             <a:fld id="{B7F5FDCC-6AAC-4A08-B9E0-3793AB5E64C3}" type="datetime2">
               <a:rPr lang="en-US" smtClean="0"/>
-              <a:t>Wednesday, July 24, 2024</a:t>
+              <a:t>Thursday, July 25, 2024</a:t>
             </a:fld>
             <a:endParaRPr lang="en-US"/>
           </a:p>
@@ -2731,7 +2731,7 @@
           <a:p>
             <a:fld id="{349FE94D-439C-40F1-900E-BC07940E3988}" type="datetime2">
               <a:rPr lang="en-US" smtClean="0"/>
-              <a:t>Wednesday, July 24, 2024</a:t>
+              <a:t>Thursday, July 25, 2024</a:t>
             </a:fld>
             <a:endParaRPr lang="en-US"/>
           </a:p>
@@ -3015,7 +3015,7 @@
           <a:p>
             <a:fld id="{8DEA2CF1-0EB2-4673-802D-3371233E4A77}" type="datetime2">
               <a:rPr lang="en-US" smtClean="0"/>
-              <a:t>Wednesday, July 24, 2024</a:t>
+              <a:t>Thursday, July 25, 2024</a:t>
             </a:fld>
             <a:endParaRPr lang="en-US" dirty="0"/>
           </a:p>
@@ -6767,7 +6767,7 @@
                 <a:latin typeface="HG行書体" panose="03000609000000000000" pitchFamily="65" charset="-128"/>
                 <a:ea typeface="HG行書体" panose="03000609000000000000" pitchFamily="65" charset="-128"/>
               </a:rPr>
-              <a:t>融合学域は西暦何年に創設したでしょう？</a:t>
+              <a:t>融合学域は西暦何年に創設されたでしょう？</a:t>
             </a:r>
             <a:endParaRPr kumimoji="1" lang="en-US" altLang="ja-JP" sz="5400" b="1" spc="20" dirty="0">
               <a:solidFill>

--- a/quiz/quiz.pptx
+++ b/quiz/quiz.pptx
@@ -26,6 +26,10 @@
     <p:embeddedFont>
       <p:font typeface="HG行書体" panose="03000609000000000000" pitchFamily="65" charset="-128"/>
       <p:regular r:id="rId10"/>
+    </p:embeddedFont>
+    <p:embeddedFont>
+      <p:font typeface="The Hand Extrablack" panose="03070A02030502020204" pitchFamily="66" charset="0"/>
+      <p:bold r:id="rId11"/>
     </p:embeddedFont>
   </p:embeddedFontLst>
   <p:defaultTextStyle>
@@ -6767,7 +6771,31 @@
                 <a:latin typeface="HG行書体" panose="03000609000000000000" pitchFamily="65" charset="-128"/>
                 <a:ea typeface="HG行書体" panose="03000609000000000000" pitchFamily="65" charset="-128"/>
               </a:rPr>
-              <a:t>融合学域は西暦何年に創設されたでしょう？</a:t>
+              <a:t>融合学域は西暦何年</a:t>
+            </a:r>
+            <a:r>
+              <a:rPr kumimoji="1" lang="ja-JP" altLang="en-US" sz="5400" b="1" spc="20">
+                <a:solidFill>
+                  <a:schemeClr val="tx2">
+                    <a:lumMod val="90000"/>
+                  </a:schemeClr>
+                </a:solidFill>
+                <a:latin typeface="HG行書体" panose="03000609000000000000" pitchFamily="65" charset="-128"/>
+                <a:ea typeface="HG行書体" panose="03000609000000000000" pitchFamily="65" charset="-128"/>
+              </a:rPr>
+              <a:t>に創設したでしょう</a:t>
+            </a:r>
+            <a:r>
+              <a:rPr kumimoji="1" lang="ja-JP" altLang="en-US" sz="5400" b="1" spc="20" dirty="0">
+                <a:solidFill>
+                  <a:schemeClr val="tx2">
+                    <a:lumMod val="90000"/>
+                  </a:schemeClr>
+                </a:solidFill>
+                <a:latin typeface="HG行書体" panose="03000609000000000000" pitchFamily="65" charset="-128"/>
+                <a:ea typeface="HG行書体" panose="03000609000000000000" pitchFamily="65" charset="-128"/>
+              </a:rPr>
+              <a:t>？</a:t>
             </a:r>
             <a:endParaRPr kumimoji="1" lang="en-US" altLang="ja-JP" sz="5400" b="1" spc="20" dirty="0">
               <a:solidFill>
